--- a/Examples/GroupDocs.Assembly.Examples.Java/Data/Storage/Presentation Templates/Chart with Filtering, Grouping, and Ordering.pptx
+++ b/Examples/GroupDocs.Assembly.Examples.Java/Data/Storage/Presentation Templates/Chart with Filtering, Grouping, and Ordering.pptx
@@ -112,8 +112,12 @@
 </p:presentation>
 </file>
 
+<file path=ppt/revisionInfo.xml><?xml version="1.0" encoding="utf-8"?>
+<p1510:revInfo xmlns:a="http://schemas.openxmlformats.org/drawingml/2006/main" xmlns:r="http://schemas.openxmlformats.org/officeDocument/2006/relationships" xmlns:p1510="http://schemas.microsoft.com/office/powerpoint/2015/10/main"/>
+</file>
+
 <file path=ppt/charts/chart1.xml><?xml version="1.0" encoding="utf-8"?>
-<c:chartSpace xmlns:c="http://schemas.openxmlformats.org/drawingml/2006/chart" xmlns:a="http://schemas.openxmlformats.org/drawingml/2006/main" xmlns:r="http://schemas.openxmlformats.org/officeDocument/2006/relationships">
+<c:chartSpace xmlns:c="http://schemas.openxmlformats.org/drawingml/2006/chart" xmlns:a="http://schemas.openxmlformats.org/drawingml/2006/main" xmlns:r="http://schemas.openxmlformats.org/officeDocument/2006/relationships" xmlns:c16r2="http://schemas.microsoft.com/office/drawing/2015/06/chart">
   <c:date1904 val="0"/>
   <c:lang val="en-US"/>
   <c:roundedCorners val="0"/>
@@ -126,172 +130,7 @@
     </mc:Fallback>
   </mc:AlternateContent>
   <c:chart>
-    <c:title>
-      <c:tx>
-        <c:rich>
-          <a:bodyPr rot="0" spcFirstLastPara="1" vertOverflow="ellipsis" vert="horz" wrap="square" anchor="ctr" anchorCtr="1"/>
-          <a:lstStyle/>
-          <a:p>
-            <a:pPr>
-              <a:defRPr sz="1400" b="0" i="0" u="none" strike="noStrike" kern="1200" spc="0" baseline="0">
-                <a:solidFill>
-                  <a:schemeClr val="tx1">
-                    <a:lumMod val="65000"/>
-                    <a:lumOff val="35000"/>
-                  </a:schemeClr>
-                </a:solidFill>
-                <a:latin typeface="+mn-lt"/>
-                <a:ea typeface="+mn-ea"/>
-                <a:cs typeface="+mn-cs"/>
-              </a:defRPr>
-            </a:pPr>
-            <a:r>
-              <a:rPr lang="en-US" dirty="0"/>
-              <a:t>Total Contract Prices by </a:t>
-            </a:r>
-            <a:r>
-              <a:rPr lang="en-US" dirty="0" smtClean="0"/>
-              <a:t>Quarters</a:t>
-            </a:r>
-            <a:r>
-              <a:rPr lang="en-US" sz="1000" dirty="0" smtClean="0"/>
-              <a:t>&lt;&lt;</a:t>
-            </a:r>
-            <a:r>
-              <a:rPr lang="en-US" sz="1000" dirty="0" err="1" smtClean="0"/>
-              <a:t>foreach</a:t>
-            </a:r>
-            <a:r>
-              <a:rPr lang="en-US" sz="1000" dirty="0" smtClean="0"/>
-              <a:t> [in </a:t>
-            </a:r>
-            <a:r>
-              <a:rPr lang="en-US" sz="1000" dirty="0" err="1" smtClean="0"/>
-              <a:t>getContracts</a:t>
-            </a:r>
-            <a:r>
-              <a:rPr lang="en-US" sz="1000" smtClean="0"/>
-              <a:t>()</a:t>
-            </a:r>
-            <a:endParaRPr lang="en-US" sz="1000" dirty="0" smtClean="0"/>
-          </a:p>
-          <a:p>
-            <a:pPr>
-              <a:defRPr/>
-            </a:pPr>
-            <a:r>
-              <a:rPr lang="en-US" sz="1000" dirty="0" smtClean="0"/>
-              <a:t>.where(c =&gt; </a:t>
-            </a:r>
-            <a:r>
-              <a:rPr lang="en-US" sz="1000" dirty="0" err="1" smtClean="0"/>
-              <a:t>c.getDate</a:t>
-            </a:r>
-            <a:r>
-              <a:rPr lang="en-US" sz="1000" dirty="0" smtClean="0"/>
-              <a:t>().</a:t>
-            </a:r>
-            <a:r>
-              <a:rPr lang="en-US" sz="1000" dirty="0" err="1" smtClean="0"/>
-              <a:t>getYear</a:t>
-            </a:r>
-            <a:r>
-              <a:rPr lang="en-US" sz="1000" dirty="0" smtClean="0"/>
-              <a:t>() + 1900 == 2015)</a:t>
-            </a:r>
-          </a:p>
-          <a:p>
-            <a:pPr>
-              <a:defRPr/>
-            </a:pPr>
-            <a:r>
-              <a:rPr lang="en-US" sz="1000" dirty="0" smtClean="0"/>
-              <a:t>.</a:t>
-            </a:r>
-            <a:r>
-              <a:rPr lang="en-US" sz="1000" dirty="0" err="1" smtClean="0"/>
-              <a:t>groupBy</a:t>
-            </a:r>
-            <a:r>
-              <a:rPr lang="en-US" sz="1000" dirty="0" smtClean="0"/>
-              <a:t>(c =&gt; </a:t>
-            </a:r>
-            <a:r>
-              <a:rPr lang="en-US" sz="1000" dirty="0" err="1" smtClean="0"/>
-              <a:t>c.getManager</a:t>
-            </a:r>
-            <a:r>
-              <a:rPr lang="en-US" sz="1000" dirty="0" smtClean="0"/>
-              <a:t>())</a:t>
-            </a:r>
-          </a:p>
-          <a:p>
-            <a:pPr>
-              <a:defRPr/>
-            </a:pPr>
-            <a:r>
-              <a:rPr lang="en-US" sz="1000" dirty="0" smtClean="0"/>
-              <a:t>.</a:t>
-            </a:r>
-            <a:r>
-              <a:rPr lang="en-US" sz="1000" dirty="0" err="1" smtClean="0"/>
-              <a:t>orderBy</a:t>
-            </a:r>
-            <a:r>
-              <a:rPr lang="en-US" sz="1000" dirty="0" smtClean="0"/>
-              <a:t>(g =&gt; </a:t>
-            </a:r>
-            <a:r>
-              <a:rPr lang="en-US" sz="1000" dirty="0" err="1" smtClean="0"/>
-              <a:t>g.key.getName</a:t>
-            </a:r>
-            <a:r>
-              <a:rPr lang="en-US" sz="1000" dirty="0" smtClean="0"/>
-              <a:t>())]&gt;&gt;&lt;&lt;x [</a:t>
-            </a:r>
-            <a:r>
-              <a:rPr lang="en-US" sz="1000" dirty="0" err="1" smtClean="0"/>
-              <a:t>key.getName</a:t>
-            </a:r>
-            <a:r>
-              <a:rPr lang="en-US" sz="1000" dirty="0" smtClean="0"/>
-              <a:t>()]&gt;&gt;</a:t>
-            </a:r>
-            <a:endParaRPr lang="en-US" sz="1000" dirty="0"/>
-          </a:p>
-        </c:rich>
-      </c:tx>
-      <c:layout/>
-      <c:overlay val="0"/>
-      <c:spPr>
-        <a:noFill/>
-        <a:ln>
-          <a:noFill/>
-        </a:ln>
-        <a:effectLst/>
-      </c:spPr>
-      <c:txPr>
-        <a:bodyPr rot="0" spcFirstLastPara="1" vertOverflow="ellipsis" vert="horz" wrap="square" anchor="ctr" anchorCtr="1"/>
-        <a:lstStyle/>
-        <a:p>
-          <a:pPr>
-            <a:defRPr sz="1400" b="0" i="0" u="none" strike="noStrike" kern="1200" spc="0" baseline="0">
-              <a:solidFill>
-                <a:schemeClr val="tx1">
-                  <a:lumMod val="65000"/>
-                  <a:lumOff val="35000"/>
-                </a:schemeClr>
-              </a:solidFill>
-              <a:latin typeface="+mn-lt"/>
-              <a:ea typeface="+mn-ea"/>
-              <a:cs typeface="+mn-cs"/>
-            </a:defRPr>
-          </a:pPr>
-          <a:endParaRPr lang="ru-RU"/>
-        </a:p>
-      </c:txPr>
-    </c:title>
-    <c:autoTitleDeleted val="0"/>
+    <c:autoTitleDeleted val="1"/>
     <c:plotArea>
       <c:layout/>
       <c:barChart>
@@ -363,6 +202,11 @@
               </c:numCache>
             </c:numRef>
           </c:val>
+          <c:extLst>
+            <c:ext xmlns:c16="http://schemas.microsoft.com/office/drawing/2014/chart" uri="{C3380CC4-5D6E-409C-BE32-E72D297353CC}">
+              <c16:uniqueId val="{00000000-7F11-4B82-A5CD-0BCC211F32A6}"/>
+            </c:ext>
+          </c:extLst>
         </c:ser>
         <c:ser>
           <c:idx val="1"/>
@@ -429,6 +273,11 @@
               </c:numCache>
             </c:numRef>
           </c:val>
+          <c:extLst>
+            <c:ext xmlns:c16="http://schemas.microsoft.com/office/drawing/2014/chart" uri="{C3380CC4-5D6E-409C-BE32-E72D297353CC}">
+              <c16:uniqueId val="{00000001-7F11-4B82-A5CD-0BCC211F32A6}"/>
+            </c:ext>
+          </c:extLst>
         </c:ser>
         <c:ser>
           <c:idx val="2"/>
@@ -495,6 +344,11 @@
               </c:numCache>
             </c:numRef>
           </c:val>
+          <c:extLst>
+            <c:ext xmlns:c16="http://schemas.microsoft.com/office/drawing/2014/chart" uri="{C3380CC4-5D6E-409C-BE32-E72D297353CC}">
+              <c16:uniqueId val="{00000002-7F11-4B82-A5CD-0BCC211F32A6}"/>
+            </c:ext>
+          </c:extLst>
         </c:ser>
         <c:ser>
           <c:idx val="3"/>
@@ -561,6 +415,11 @@
               </c:numCache>
             </c:numRef>
           </c:val>
+          <c:extLst>
+            <c:ext xmlns:c16="http://schemas.microsoft.com/office/drawing/2014/chart" uri="{C3380CC4-5D6E-409C-BE32-E72D297353CC}">
+              <c16:uniqueId val="{00000003-7F11-4B82-A5CD-0BCC211F32A6}"/>
+            </c:ext>
+          </c:extLst>
         </c:ser>
         <c:dLbls>
           <c:showLegendKey val="0"/>
@@ -616,7 +475,7 @@
                 <a:cs typeface="+mn-cs"/>
               </a:defRPr>
             </a:pPr>
-            <a:endParaRPr lang="ru-RU"/>
+            <a:endParaRPr lang="en-US"/>
           </a:p>
         </c:txPr>
         <c:crossAx val="275999768"/>
@@ -675,7 +534,7 @@
                 <a:cs typeface="+mn-cs"/>
               </a:defRPr>
             </a:pPr>
-            <a:endParaRPr lang="ru-RU"/>
+            <a:endParaRPr lang="en-US"/>
           </a:p>
         </c:txPr>
         <c:crossAx val="275997328"/>
@@ -692,7 +551,6 @@
     </c:plotArea>
     <c:legend>
       <c:legendPos val="b"/>
-      <c:layout/>
       <c:overlay val="0"/>
       <c:spPr>
         <a:noFill/>
@@ -718,7 +576,7 @@
               <a:cs typeface="+mn-cs"/>
             </a:defRPr>
           </a:pPr>
-          <a:endParaRPr lang="ru-RU"/>
+          <a:endParaRPr lang="en-US"/>
         </a:p>
       </c:txPr>
     </c:legend>
@@ -740,7 +598,7 @@
       <a:pPr>
         <a:defRPr/>
       </a:pPr>
-      <a:endParaRPr lang="ru-RU"/>
+      <a:endParaRPr lang="en-US"/>
     </a:p>
   </c:txPr>
   <c:externalData r:id="rId3">
@@ -1334,7 +1192,7 @@
           </a:lstStyle>
           <a:p>
             <a:r>
-              <a:rPr lang="en-US" smtClean="0"/>
+              <a:rPr lang="en-US"/>
               <a:t>Click to edit Master title style</a:t>
             </a:r>
             <a:endParaRPr lang="ru-RU"/>
@@ -1399,7 +1257,7 @@
           </a:lstStyle>
           <a:p>
             <a:r>
-              <a:rPr lang="en-US" smtClean="0"/>
+              <a:rPr lang="en-US"/>
               <a:t>Click to edit Master subtitle style</a:t>
             </a:r>
             <a:endParaRPr lang="ru-RU"/>
@@ -1423,7 +1281,7 @@
           <a:p>
             <a:fld id="{D90F0176-71FB-4F6F-A1FB-22F7BDD3D61D}" type="datetimeFigureOut">
               <a:rPr lang="ru-RU" smtClean="0"/>
-              <a:t>29.11.2016</a:t>
+              <a:t>02.02.2018</a:t>
             </a:fld>
             <a:endParaRPr lang="ru-RU"/>
           </a:p>
@@ -1517,7 +1375,7 @@
           <a:lstStyle/>
           <a:p>
             <a:r>
-              <a:rPr lang="en-US" smtClean="0"/>
+              <a:rPr lang="en-US"/>
               <a:t>Click to edit Master title style</a:t>
             </a:r>
             <a:endParaRPr lang="ru-RU"/>
@@ -1541,35 +1399,35 @@
           <a:p>
             <a:pPr lvl="0"/>
             <a:r>
-              <a:rPr lang="en-US" smtClean="0"/>
+              <a:rPr lang="en-US"/>
               <a:t>Click to edit Master text styles</a:t>
             </a:r>
           </a:p>
           <a:p>
             <a:pPr lvl="1"/>
             <a:r>
-              <a:rPr lang="en-US" smtClean="0"/>
+              <a:rPr lang="en-US"/>
               <a:t>Second level</a:t>
             </a:r>
           </a:p>
           <a:p>
             <a:pPr lvl="2"/>
             <a:r>
-              <a:rPr lang="en-US" smtClean="0"/>
+              <a:rPr lang="en-US"/>
               <a:t>Third level</a:t>
             </a:r>
           </a:p>
           <a:p>
             <a:pPr lvl="3"/>
             <a:r>
-              <a:rPr lang="en-US" smtClean="0"/>
+              <a:rPr lang="en-US"/>
               <a:t>Fourth level</a:t>
             </a:r>
           </a:p>
           <a:p>
             <a:pPr lvl="4"/>
             <a:r>
-              <a:rPr lang="en-US" smtClean="0"/>
+              <a:rPr lang="en-US"/>
               <a:t>Fifth level</a:t>
             </a:r>
             <a:endParaRPr lang="ru-RU"/>
@@ -1593,7 +1451,7 @@
           <a:p>
             <a:fld id="{D90F0176-71FB-4F6F-A1FB-22F7BDD3D61D}" type="datetimeFigureOut">
               <a:rPr lang="ru-RU" smtClean="0"/>
-              <a:t>29.11.2016</a:t>
+              <a:t>02.02.2018</a:t>
             </a:fld>
             <a:endParaRPr lang="ru-RU"/>
           </a:p>
@@ -1692,7 +1550,7 @@
           <a:lstStyle/>
           <a:p>
             <a:r>
-              <a:rPr lang="en-US" smtClean="0"/>
+              <a:rPr lang="en-US"/>
               <a:t>Click to edit Master title style</a:t>
             </a:r>
             <a:endParaRPr lang="ru-RU"/>
@@ -1721,35 +1579,35 @@
           <a:p>
             <a:pPr lvl="0"/>
             <a:r>
-              <a:rPr lang="en-US" smtClean="0"/>
+              <a:rPr lang="en-US"/>
               <a:t>Click to edit Master text styles</a:t>
             </a:r>
           </a:p>
           <a:p>
             <a:pPr lvl="1"/>
             <a:r>
-              <a:rPr lang="en-US" smtClean="0"/>
+              <a:rPr lang="en-US"/>
               <a:t>Second level</a:t>
             </a:r>
           </a:p>
           <a:p>
             <a:pPr lvl="2"/>
             <a:r>
-              <a:rPr lang="en-US" smtClean="0"/>
+              <a:rPr lang="en-US"/>
               <a:t>Third level</a:t>
             </a:r>
           </a:p>
           <a:p>
             <a:pPr lvl="3"/>
             <a:r>
-              <a:rPr lang="en-US" smtClean="0"/>
+              <a:rPr lang="en-US"/>
               <a:t>Fourth level</a:t>
             </a:r>
           </a:p>
           <a:p>
             <a:pPr lvl="4"/>
             <a:r>
-              <a:rPr lang="en-US" smtClean="0"/>
+              <a:rPr lang="en-US"/>
               <a:t>Fifth level</a:t>
             </a:r>
             <a:endParaRPr lang="ru-RU"/>
@@ -1773,7 +1631,7 @@
           <a:p>
             <a:fld id="{D90F0176-71FB-4F6F-A1FB-22F7BDD3D61D}" type="datetimeFigureOut">
               <a:rPr lang="ru-RU" smtClean="0"/>
-              <a:t>29.11.2016</a:t>
+              <a:t>02.02.2018</a:t>
             </a:fld>
             <a:endParaRPr lang="ru-RU"/>
           </a:p>
@@ -1867,7 +1725,7 @@
           <a:lstStyle/>
           <a:p>
             <a:r>
-              <a:rPr lang="en-US" smtClean="0"/>
+              <a:rPr lang="en-US"/>
               <a:t>Click to edit Master title style</a:t>
             </a:r>
             <a:endParaRPr lang="ru-RU"/>
@@ -1891,35 +1749,35 @@
           <a:p>
             <a:pPr lvl="0"/>
             <a:r>
-              <a:rPr lang="en-US" smtClean="0"/>
+              <a:rPr lang="en-US"/>
               <a:t>Click to edit Master text styles</a:t>
             </a:r>
           </a:p>
           <a:p>
             <a:pPr lvl="1"/>
             <a:r>
-              <a:rPr lang="en-US" smtClean="0"/>
+              <a:rPr lang="en-US"/>
               <a:t>Second level</a:t>
             </a:r>
           </a:p>
           <a:p>
             <a:pPr lvl="2"/>
             <a:r>
-              <a:rPr lang="en-US" smtClean="0"/>
+              <a:rPr lang="en-US"/>
               <a:t>Third level</a:t>
             </a:r>
           </a:p>
           <a:p>
             <a:pPr lvl="3"/>
             <a:r>
-              <a:rPr lang="en-US" smtClean="0"/>
+              <a:rPr lang="en-US"/>
               <a:t>Fourth level</a:t>
             </a:r>
           </a:p>
           <a:p>
             <a:pPr lvl="4"/>
             <a:r>
-              <a:rPr lang="en-US" smtClean="0"/>
+              <a:rPr lang="en-US"/>
               <a:t>Fifth level</a:t>
             </a:r>
             <a:endParaRPr lang="ru-RU"/>
@@ -1943,7 +1801,7 @@
           <a:p>
             <a:fld id="{D90F0176-71FB-4F6F-A1FB-22F7BDD3D61D}" type="datetimeFigureOut">
               <a:rPr lang="ru-RU" smtClean="0"/>
-              <a:t>29.11.2016</a:t>
+              <a:t>02.02.2018</a:t>
             </a:fld>
             <a:endParaRPr lang="ru-RU"/>
           </a:p>
@@ -2046,7 +1904,7 @@
           </a:lstStyle>
           <a:p>
             <a:r>
-              <a:rPr lang="en-US" smtClean="0"/>
+              <a:rPr lang="en-US"/>
               <a:t>Click to edit Master title style</a:t>
             </a:r>
             <a:endParaRPr lang="ru-RU"/>
@@ -2166,7 +2024,7 @@
           <a:p>
             <a:pPr lvl="0"/>
             <a:r>
-              <a:rPr lang="en-US" smtClean="0"/>
+              <a:rPr lang="en-US"/>
               <a:t>Click to edit Master text styles</a:t>
             </a:r>
           </a:p>
@@ -2189,7 +2047,7 @@
           <a:p>
             <a:fld id="{D90F0176-71FB-4F6F-A1FB-22F7BDD3D61D}" type="datetimeFigureOut">
               <a:rPr lang="ru-RU" smtClean="0"/>
-              <a:t>29.11.2016</a:t>
+              <a:t>02.02.2018</a:t>
             </a:fld>
             <a:endParaRPr lang="ru-RU"/>
           </a:p>
@@ -2283,7 +2141,7 @@
           <a:lstStyle/>
           <a:p>
             <a:r>
-              <a:rPr lang="en-US" smtClean="0"/>
+              <a:rPr lang="en-US"/>
               <a:t>Click to edit Master title style</a:t>
             </a:r>
             <a:endParaRPr lang="ru-RU"/>
@@ -2312,35 +2170,35 @@
           <a:p>
             <a:pPr lvl="0"/>
             <a:r>
-              <a:rPr lang="en-US" smtClean="0"/>
+              <a:rPr lang="en-US"/>
               <a:t>Click to edit Master text styles</a:t>
             </a:r>
           </a:p>
           <a:p>
             <a:pPr lvl="1"/>
             <a:r>
-              <a:rPr lang="en-US" smtClean="0"/>
+              <a:rPr lang="en-US"/>
               <a:t>Second level</a:t>
             </a:r>
           </a:p>
           <a:p>
             <a:pPr lvl="2"/>
             <a:r>
-              <a:rPr lang="en-US" smtClean="0"/>
+              <a:rPr lang="en-US"/>
               <a:t>Third level</a:t>
             </a:r>
           </a:p>
           <a:p>
             <a:pPr lvl="3"/>
             <a:r>
-              <a:rPr lang="en-US" smtClean="0"/>
+              <a:rPr lang="en-US"/>
               <a:t>Fourth level</a:t>
             </a:r>
           </a:p>
           <a:p>
             <a:pPr lvl="4"/>
             <a:r>
-              <a:rPr lang="en-US" smtClean="0"/>
+              <a:rPr lang="en-US"/>
               <a:t>Fifth level</a:t>
             </a:r>
             <a:endParaRPr lang="ru-RU"/>
@@ -2369,35 +2227,35 @@
           <a:p>
             <a:pPr lvl="0"/>
             <a:r>
-              <a:rPr lang="en-US" smtClean="0"/>
+              <a:rPr lang="en-US"/>
               <a:t>Click to edit Master text styles</a:t>
             </a:r>
           </a:p>
           <a:p>
             <a:pPr lvl="1"/>
             <a:r>
-              <a:rPr lang="en-US" smtClean="0"/>
+              <a:rPr lang="en-US"/>
               <a:t>Second level</a:t>
             </a:r>
           </a:p>
           <a:p>
             <a:pPr lvl="2"/>
             <a:r>
-              <a:rPr lang="en-US" smtClean="0"/>
+              <a:rPr lang="en-US"/>
               <a:t>Third level</a:t>
             </a:r>
           </a:p>
           <a:p>
             <a:pPr lvl="3"/>
             <a:r>
-              <a:rPr lang="en-US" smtClean="0"/>
+              <a:rPr lang="en-US"/>
               <a:t>Fourth level</a:t>
             </a:r>
           </a:p>
           <a:p>
             <a:pPr lvl="4"/>
             <a:r>
-              <a:rPr lang="en-US" smtClean="0"/>
+              <a:rPr lang="en-US"/>
               <a:t>Fifth level</a:t>
             </a:r>
             <a:endParaRPr lang="ru-RU"/>
@@ -2421,7 +2279,7 @@
           <a:p>
             <a:fld id="{D90F0176-71FB-4F6F-A1FB-22F7BDD3D61D}" type="datetimeFigureOut">
               <a:rPr lang="ru-RU" smtClean="0"/>
-              <a:t>29.11.2016</a:t>
+              <a:t>02.02.2018</a:t>
             </a:fld>
             <a:endParaRPr lang="ru-RU"/>
           </a:p>
@@ -2520,7 +2378,7 @@
           <a:lstStyle/>
           <a:p>
             <a:r>
-              <a:rPr lang="en-US" smtClean="0"/>
+              <a:rPr lang="en-US"/>
               <a:t>Click to edit Master title style</a:t>
             </a:r>
             <a:endParaRPr lang="ru-RU"/>
@@ -2586,7 +2444,7 @@
           <a:p>
             <a:pPr lvl="0"/>
             <a:r>
-              <a:rPr lang="en-US" smtClean="0"/>
+              <a:rPr lang="en-US"/>
               <a:t>Click to edit Master text styles</a:t>
             </a:r>
           </a:p>
@@ -2614,35 +2472,35 @@
           <a:p>
             <a:pPr lvl="0"/>
             <a:r>
-              <a:rPr lang="en-US" smtClean="0"/>
+              <a:rPr lang="en-US"/>
               <a:t>Click to edit Master text styles</a:t>
             </a:r>
           </a:p>
           <a:p>
             <a:pPr lvl="1"/>
             <a:r>
-              <a:rPr lang="en-US" smtClean="0"/>
+              <a:rPr lang="en-US"/>
               <a:t>Second level</a:t>
             </a:r>
           </a:p>
           <a:p>
             <a:pPr lvl="2"/>
             <a:r>
-              <a:rPr lang="en-US" smtClean="0"/>
+              <a:rPr lang="en-US"/>
               <a:t>Third level</a:t>
             </a:r>
           </a:p>
           <a:p>
             <a:pPr lvl="3"/>
             <a:r>
-              <a:rPr lang="en-US" smtClean="0"/>
+              <a:rPr lang="en-US"/>
               <a:t>Fourth level</a:t>
             </a:r>
           </a:p>
           <a:p>
             <a:pPr lvl="4"/>
             <a:r>
-              <a:rPr lang="en-US" smtClean="0"/>
+              <a:rPr lang="en-US"/>
               <a:t>Fifth level</a:t>
             </a:r>
             <a:endParaRPr lang="ru-RU"/>
@@ -2708,7 +2566,7 @@
           <a:p>
             <a:pPr lvl="0"/>
             <a:r>
-              <a:rPr lang="en-US" smtClean="0"/>
+              <a:rPr lang="en-US"/>
               <a:t>Click to edit Master text styles</a:t>
             </a:r>
           </a:p>
@@ -2736,35 +2594,35 @@
           <a:p>
             <a:pPr lvl="0"/>
             <a:r>
-              <a:rPr lang="en-US" smtClean="0"/>
+              <a:rPr lang="en-US"/>
               <a:t>Click to edit Master text styles</a:t>
             </a:r>
           </a:p>
           <a:p>
             <a:pPr lvl="1"/>
             <a:r>
-              <a:rPr lang="en-US" smtClean="0"/>
+              <a:rPr lang="en-US"/>
               <a:t>Second level</a:t>
             </a:r>
           </a:p>
           <a:p>
             <a:pPr lvl="2"/>
             <a:r>
-              <a:rPr lang="en-US" smtClean="0"/>
+              <a:rPr lang="en-US"/>
               <a:t>Third level</a:t>
             </a:r>
           </a:p>
           <a:p>
             <a:pPr lvl="3"/>
             <a:r>
-              <a:rPr lang="en-US" smtClean="0"/>
+              <a:rPr lang="en-US"/>
               <a:t>Fourth level</a:t>
             </a:r>
           </a:p>
           <a:p>
             <a:pPr lvl="4"/>
             <a:r>
-              <a:rPr lang="en-US" smtClean="0"/>
+              <a:rPr lang="en-US"/>
               <a:t>Fifth level</a:t>
             </a:r>
             <a:endParaRPr lang="ru-RU"/>
@@ -2788,7 +2646,7 @@
           <a:p>
             <a:fld id="{D90F0176-71FB-4F6F-A1FB-22F7BDD3D61D}" type="datetimeFigureOut">
               <a:rPr lang="ru-RU" smtClean="0"/>
-              <a:t>29.11.2016</a:t>
+              <a:t>02.02.2018</a:t>
             </a:fld>
             <a:endParaRPr lang="ru-RU"/>
           </a:p>
@@ -2882,7 +2740,7 @@
           <a:lstStyle/>
           <a:p>
             <a:r>
-              <a:rPr lang="en-US" smtClean="0"/>
+              <a:rPr lang="en-US"/>
               <a:t>Click to edit Master title style</a:t>
             </a:r>
             <a:endParaRPr lang="ru-RU"/>
@@ -2906,7 +2764,7 @@
           <a:p>
             <a:fld id="{D90F0176-71FB-4F6F-A1FB-22F7BDD3D61D}" type="datetimeFigureOut">
               <a:rPr lang="ru-RU" smtClean="0"/>
-              <a:t>29.11.2016</a:t>
+              <a:t>02.02.2018</a:t>
             </a:fld>
             <a:endParaRPr lang="ru-RU"/>
           </a:p>
@@ -3001,7 +2859,7 @@
           <a:p>
             <a:fld id="{D90F0176-71FB-4F6F-A1FB-22F7BDD3D61D}" type="datetimeFigureOut">
               <a:rPr lang="ru-RU" smtClean="0"/>
-              <a:t>29.11.2016</a:t>
+              <a:t>02.02.2018</a:t>
             </a:fld>
             <a:endParaRPr lang="ru-RU"/>
           </a:p>
@@ -3104,7 +2962,7 @@
           </a:lstStyle>
           <a:p>
             <a:r>
-              <a:rPr lang="en-US" smtClean="0"/>
+              <a:rPr lang="en-US"/>
               <a:t>Click to edit Master title style</a:t>
             </a:r>
             <a:endParaRPr lang="ru-RU"/>
@@ -3161,35 +3019,35 @@
           <a:p>
             <a:pPr lvl="0"/>
             <a:r>
-              <a:rPr lang="en-US" smtClean="0"/>
+              <a:rPr lang="en-US"/>
               <a:t>Click to edit Master text styles</a:t>
             </a:r>
           </a:p>
           <a:p>
             <a:pPr lvl="1"/>
             <a:r>
-              <a:rPr lang="en-US" smtClean="0"/>
+              <a:rPr lang="en-US"/>
               <a:t>Second level</a:t>
             </a:r>
           </a:p>
           <a:p>
             <a:pPr lvl="2"/>
             <a:r>
-              <a:rPr lang="en-US" smtClean="0"/>
+              <a:rPr lang="en-US"/>
               <a:t>Third level</a:t>
             </a:r>
           </a:p>
           <a:p>
             <a:pPr lvl="3"/>
             <a:r>
-              <a:rPr lang="en-US" smtClean="0"/>
+              <a:rPr lang="en-US"/>
               <a:t>Fourth level</a:t>
             </a:r>
           </a:p>
           <a:p>
             <a:pPr lvl="4"/>
             <a:r>
-              <a:rPr lang="en-US" smtClean="0"/>
+              <a:rPr lang="en-US"/>
               <a:t>Fifth level</a:t>
             </a:r>
             <a:endParaRPr lang="ru-RU"/>
@@ -3255,7 +3113,7 @@
           <a:p>
             <a:pPr lvl="0"/>
             <a:r>
-              <a:rPr lang="en-US" smtClean="0"/>
+              <a:rPr lang="en-US"/>
               <a:t>Click to edit Master text styles</a:t>
             </a:r>
           </a:p>
@@ -3278,7 +3136,7 @@
           <a:p>
             <a:fld id="{D90F0176-71FB-4F6F-A1FB-22F7BDD3D61D}" type="datetimeFigureOut">
               <a:rPr lang="ru-RU" smtClean="0"/>
-              <a:t>29.11.2016</a:t>
+              <a:t>02.02.2018</a:t>
             </a:fld>
             <a:endParaRPr lang="ru-RU"/>
           </a:p>
@@ -3381,7 +3239,7 @@
           </a:lstStyle>
           <a:p>
             <a:r>
-              <a:rPr lang="en-US" smtClean="0"/>
+              <a:rPr lang="en-US"/>
               <a:t>Click to edit Master title style</a:t>
             </a:r>
             <a:endParaRPr lang="ru-RU"/>
@@ -3508,7 +3366,7 @@
           <a:p>
             <a:pPr lvl="0"/>
             <a:r>
-              <a:rPr lang="en-US" smtClean="0"/>
+              <a:rPr lang="en-US"/>
               <a:t>Click to edit Master text styles</a:t>
             </a:r>
           </a:p>
@@ -3531,7 +3389,7 @@
           <a:p>
             <a:fld id="{D90F0176-71FB-4F6F-A1FB-22F7BDD3D61D}" type="datetimeFigureOut">
               <a:rPr lang="ru-RU" smtClean="0"/>
-              <a:t>29.11.2016</a:t>
+              <a:t>02.02.2018</a:t>
             </a:fld>
             <a:endParaRPr lang="ru-RU"/>
           </a:p>
@@ -3640,7 +3498,7 @@
           <a:lstStyle/>
           <a:p>
             <a:r>
-              <a:rPr lang="en-US" smtClean="0"/>
+              <a:rPr lang="en-US"/>
               <a:t>Click to edit Master title style</a:t>
             </a:r>
             <a:endParaRPr lang="ru-RU"/>
@@ -3674,35 +3532,35 @@
           <a:p>
             <a:pPr lvl="0"/>
             <a:r>
-              <a:rPr lang="en-US" smtClean="0"/>
+              <a:rPr lang="en-US"/>
               <a:t>Click to edit Master text styles</a:t>
             </a:r>
           </a:p>
           <a:p>
             <a:pPr lvl="1"/>
             <a:r>
-              <a:rPr lang="en-US" smtClean="0"/>
+              <a:rPr lang="en-US"/>
               <a:t>Second level</a:t>
             </a:r>
           </a:p>
           <a:p>
             <a:pPr lvl="2"/>
             <a:r>
-              <a:rPr lang="en-US" smtClean="0"/>
+              <a:rPr lang="en-US"/>
               <a:t>Third level</a:t>
             </a:r>
           </a:p>
           <a:p>
             <a:pPr lvl="3"/>
             <a:r>
-              <a:rPr lang="en-US" smtClean="0"/>
+              <a:rPr lang="en-US"/>
               <a:t>Fourth level</a:t>
             </a:r>
           </a:p>
           <a:p>
             <a:pPr lvl="4"/>
             <a:r>
-              <a:rPr lang="en-US" smtClean="0"/>
+              <a:rPr lang="en-US"/>
               <a:t>Fifth level</a:t>
             </a:r>
             <a:endParaRPr lang="ru-RU"/>
@@ -3744,7 +3602,7 @@
           <a:p>
             <a:fld id="{D90F0176-71FB-4F6F-A1FB-22F7BDD3D61D}" type="datetimeFigureOut">
               <a:rPr lang="ru-RU" smtClean="0"/>
-              <a:t>29.11.2016</a:t>
+              <a:t>02.02.2018</a:t>
             </a:fld>
             <a:endParaRPr lang="ru-RU"/>
           </a:p>
